--- a/Soutenance/Template_AL_080515.pptx
+++ b/Soutenance/Template_AL_080515.pptx
@@ -199,7 +199,7 @@
           <a:p>
             <a:fld id="{9B00DA15-4872-4571-B024-7AD4419A7C2D}" type="datetimeFigureOut">
               <a:rPr lang="en-GB" smtClean="0"/>
-              <a:t>08/05/2015</a:t>
+              <a:t>21/05/2015</a:t>
             </a:fld>
             <a:endParaRPr lang="en-GB"/>
           </a:p>
@@ -648,7 +648,7 @@
           <a:p>
             <a:fld id="{EEF70240-1C1F-4402-A5DD-B1A2B4678DD4}" type="datetime1">
               <a:rPr lang="en-GB" smtClean="0"/>
-              <a:t>08/05/2015</a:t>
+              <a:t>21/05/2015</a:t>
             </a:fld>
             <a:endParaRPr lang="en-GB"/>
           </a:p>
@@ -818,7 +818,7 @@
           <a:p>
             <a:fld id="{EA61502D-F4E1-48D4-A168-1EF8A29C3486}" type="datetime1">
               <a:rPr lang="en-GB" smtClean="0"/>
-              <a:t>08/05/2015</a:t>
+              <a:t>21/05/2015</a:t>
             </a:fld>
             <a:endParaRPr lang="en-GB"/>
           </a:p>
@@ -998,7 +998,7 @@
           <a:p>
             <a:fld id="{C8500C8E-3109-4034-B9CA-FDA165D94A55}" type="datetime1">
               <a:rPr lang="en-GB" smtClean="0"/>
-              <a:t>08/05/2015</a:t>
+              <a:t>21/05/2015</a:t>
             </a:fld>
             <a:endParaRPr lang="en-GB"/>
           </a:p>
@@ -1168,7 +1168,7 @@
           <a:p>
             <a:fld id="{16DF33F3-AAD7-43A2-98ED-8528A63A077E}" type="datetime1">
               <a:rPr lang="en-GB" smtClean="0"/>
-              <a:t>08/05/2015</a:t>
+              <a:t>21/05/2015</a:t>
             </a:fld>
             <a:endParaRPr lang="en-GB"/>
           </a:p>
@@ -1414,7 +1414,7 @@
           <a:p>
             <a:fld id="{AEDA6273-1903-495D-AFE4-6AA68964F268}" type="datetime1">
               <a:rPr lang="en-GB" smtClean="0"/>
-              <a:t>08/05/2015</a:t>
+              <a:t>21/05/2015</a:t>
             </a:fld>
             <a:endParaRPr lang="en-GB"/>
           </a:p>
@@ -1702,7 +1702,7 @@
           <a:p>
             <a:fld id="{F3C0620A-3AF6-40C9-AE63-7E9128B55805}" type="datetime1">
               <a:rPr lang="en-GB" smtClean="0"/>
-              <a:t>08/05/2015</a:t>
+              <a:t>21/05/2015</a:t>
             </a:fld>
             <a:endParaRPr lang="en-GB"/>
           </a:p>
@@ -2124,7 +2124,7 @@
           <a:p>
             <a:fld id="{C9827DF5-59A8-411E-AD9C-EBDA27591317}" type="datetime1">
               <a:rPr lang="en-GB" smtClean="0"/>
-              <a:t>08/05/2015</a:t>
+              <a:t>21/05/2015</a:t>
             </a:fld>
             <a:endParaRPr lang="en-GB"/>
           </a:p>
@@ -2242,7 +2242,7 @@
           <a:p>
             <a:fld id="{A173FF86-6CB0-4CA8-A261-2381D46BACF8}" type="datetime1">
               <a:rPr lang="en-GB" smtClean="0"/>
-              <a:t>08/05/2015</a:t>
+              <a:t>21/05/2015</a:t>
             </a:fld>
             <a:endParaRPr lang="en-GB"/>
           </a:p>
@@ -2337,7 +2337,7 @@
           <a:p>
             <a:fld id="{E4634A8A-0FE0-4341-833E-8D30005A0332}" type="datetime1">
               <a:rPr lang="en-GB" smtClean="0"/>
-              <a:t>08/05/2015</a:t>
+              <a:t>21/05/2015</a:t>
             </a:fld>
             <a:endParaRPr lang="en-GB"/>
           </a:p>
@@ -2614,7 +2614,7 @@
           <a:p>
             <a:fld id="{32E2A1DD-791C-43F7-B152-B3E9260B958E}" type="datetime1">
               <a:rPr lang="en-GB" smtClean="0"/>
-              <a:t>08/05/2015</a:t>
+              <a:t>21/05/2015</a:t>
             </a:fld>
             <a:endParaRPr lang="en-GB"/>
           </a:p>
@@ -2867,7 +2867,7 @@
           <a:p>
             <a:fld id="{788A1AE4-D6D7-4A39-8F94-DDD290706CA1}" type="datetime1">
               <a:rPr lang="en-GB" smtClean="0"/>
-              <a:t>08/05/2015</a:t>
+              <a:t>21/05/2015</a:t>
             </a:fld>
             <a:endParaRPr lang="en-GB"/>
           </a:p>
@@ -3080,7 +3080,7 @@
           <a:p>
             <a:fld id="{C89A6C7C-B1E8-41FD-9D07-0C41E376A0F6}" type="datetime1">
               <a:rPr lang="en-GB" smtClean="0"/>
-              <a:t>08/05/2015</a:t>
+              <a:t>21/05/2015</a:t>
             </a:fld>
             <a:endParaRPr lang="en-GB"/>
           </a:p>
@@ -4131,7 +4131,7 @@
                   </a:schemeClr>
                 </a:solidFill>
               </a:rPr>
-              <a:t>Killian BELLOT</a:t>
+              <a:t>Kilian BELLOT</a:t>
             </a:r>
           </a:p>
           <a:p>
@@ -4494,7 +4494,7 @@
         <p:spPr>
           <a:xfrm>
             <a:off x="107504" y="88395"/>
-            <a:ext cx="3254874" cy="584775"/>
+            <a:ext cx="3384376" cy="584775"/>
           </a:xfrm>
           <a:prstGeom prst="rect">
             <a:avLst/>
@@ -4944,7 +4944,7 @@
         <p:spPr>
           <a:xfrm>
             <a:off x="338042" y="1124744"/>
-            <a:ext cx="6048672" cy="4524315"/>
+            <a:ext cx="7042270" cy="4801314"/>
           </a:xfrm>
           <a:prstGeom prst="rect">
             <a:avLst/>
@@ -4966,7 +4966,15 @@
                   </a:schemeClr>
                 </a:solidFill>
               </a:rPr>
-              <a:t>1- Rappels du cahier des charges</a:t>
+              <a:t>1- Rappels du cahier des charges </a:t>
+            </a:r>
+            <a:r>
+              <a:rPr lang="fr-FR" b="1" dirty="0" smtClean="0">
+                <a:solidFill>
+                  <a:srgbClr val="FF0000"/>
+                </a:solidFill>
+              </a:rPr>
+              <a:t>KILLIAN</a:t>
             </a:r>
           </a:p>
           <a:p>
@@ -4980,6 +4988,27 @@
             </a:endParaRPr>
           </a:p>
           <a:p>
+            <a:r>
+              <a:rPr lang="fr-FR" b="1" dirty="0" smtClean="0">
+                <a:solidFill>
+                  <a:schemeClr val="tx1">
+                    <a:lumMod val="85000"/>
+                    <a:lumOff val="15000"/>
+                  </a:schemeClr>
+                </a:solidFill>
+              </a:rPr>
+              <a:t>2- L’interface homme-machine </a:t>
+            </a:r>
+            <a:r>
+              <a:rPr lang="fr-FR" b="1" dirty="0" smtClean="0">
+                <a:solidFill>
+                  <a:srgbClr val="FF0000"/>
+                </a:solidFill>
+              </a:rPr>
+              <a:t>KILLIAN</a:t>
+            </a:r>
+          </a:p>
+          <a:p>
             <a:endParaRPr lang="fr-FR" b="1" dirty="0" smtClean="0">
               <a:solidFill>
                 <a:schemeClr val="tx1">
@@ -4990,6 +5019,281 @@
             </a:endParaRPr>
           </a:p>
           <a:p>
+            <a:r>
+              <a:rPr lang="fr-FR" b="1" dirty="0" smtClean="0">
+                <a:solidFill>
+                  <a:schemeClr val="tx1">
+                    <a:lumMod val="85000"/>
+                    <a:lumOff val="15000"/>
+                  </a:schemeClr>
+                </a:solidFill>
+              </a:rPr>
+              <a:t>3- Les modules </a:t>
+            </a:r>
+            <a:r>
+              <a:rPr lang="fr-FR" b="1" dirty="0" smtClean="0">
+                <a:solidFill>
+                  <a:schemeClr val="tx1">
+                    <a:lumMod val="85000"/>
+                    <a:lumOff val="15000"/>
+                  </a:schemeClr>
+                </a:solidFill>
+              </a:rPr>
+              <a:t>développés </a:t>
+            </a:r>
+          </a:p>
+          <a:p>
+            <a:r>
+              <a:rPr lang="fr-FR" i="1" dirty="0" smtClean="0">
+                <a:solidFill>
+                  <a:schemeClr val="tx1">
+                    <a:lumMod val="85000"/>
+                    <a:lumOff val="15000"/>
+                  </a:schemeClr>
+                </a:solidFill>
+              </a:rPr>
+              <a:t>Introduction : le diagramme de cas d’utilisation </a:t>
+            </a:r>
+            <a:r>
+              <a:rPr lang="fr-FR" b="1" dirty="0" smtClean="0">
+                <a:solidFill>
+                  <a:srgbClr val="FF0000"/>
+                </a:solidFill>
+              </a:rPr>
+              <a:t>CYRIL</a:t>
+            </a:r>
+            <a:endParaRPr lang="fr-FR" i="1" dirty="0" smtClean="0">
+              <a:solidFill>
+                <a:srgbClr val="FF0000"/>
+              </a:solidFill>
+            </a:endParaRPr>
+          </a:p>
+          <a:p>
+            <a:r>
+              <a:rPr lang="fr-FR" b="1" dirty="0">
+                <a:solidFill>
+                  <a:schemeClr val="tx1">
+                    <a:lumMod val="85000"/>
+                    <a:lumOff val="15000"/>
+                  </a:schemeClr>
+                </a:solidFill>
+              </a:rPr>
+              <a:t>	</a:t>
+            </a:r>
+            <a:r>
+              <a:rPr lang="fr-FR" dirty="0" smtClean="0">
+                <a:solidFill>
+                  <a:schemeClr val="tx1">
+                    <a:lumMod val="85000"/>
+                    <a:lumOff val="15000"/>
+                  </a:schemeClr>
+                </a:solidFill>
+              </a:rPr>
+              <a:t>a) Inscription / Connexion </a:t>
+            </a:r>
+            <a:r>
+              <a:rPr lang="fr-FR" b="1" dirty="0" smtClean="0">
+                <a:solidFill>
+                  <a:srgbClr val="FF0000"/>
+                </a:solidFill>
+              </a:rPr>
+              <a:t>BEBER</a:t>
+            </a:r>
+          </a:p>
+          <a:p>
+            <a:r>
+              <a:rPr lang="fr-FR" b="1" dirty="0">
+                <a:solidFill>
+                  <a:schemeClr val="tx1">
+                    <a:lumMod val="85000"/>
+                    <a:lumOff val="15000"/>
+                  </a:schemeClr>
+                </a:solidFill>
+              </a:rPr>
+              <a:t>	</a:t>
+            </a:r>
+            <a:r>
+              <a:rPr lang="fr-FR" dirty="0" smtClean="0">
+                <a:solidFill>
+                  <a:schemeClr val="tx1">
+                    <a:lumMod val="85000"/>
+                    <a:lumOff val="15000"/>
+                  </a:schemeClr>
+                </a:solidFill>
+              </a:rPr>
+              <a:t>b) </a:t>
+            </a:r>
+            <a:r>
+              <a:rPr lang="fr-FR" dirty="0" err="1">
+                <a:solidFill>
+                  <a:schemeClr val="tx1">
+                    <a:lumMod val="85000"/>
+                    <a:lumOff val="15000"/>
+                  </a:schemeClr>
+                </a:solidFill>
+              </a:rPr>
+              <a:t>U</a:t>
+            </a:r>
+            <a:r>
+              <a:rPr lang="fr-FR" dirty="0" err="1" smtClean="0">
+                <a:solidFill>
+                  <a:schemeClr val="tx1">
+                    <a:lumMod val="85000"/>
+                    <a:lumOff val="15000"/>
+                  </a:schemeClr>
+                </a:solidFill>
+              </a:rPr>
+              <a:t>pload</a:t>
+            </a:r>
+            <a:r>
+              <a:rPr lang="fr-FR" dirty="0" smtClean="0">
+                <a:solidFill>
+                  <a:schemeClr val="tx1">
+                    <a:lumMod val="85000"/>
+                    <a:lumOff val="15000"/>
+                  </a:schemeClr>
+                </a:solidFill>
+              </a:rPr>
+              <a:t> de musiques </a:t>
+            </a:r>
+            <a:r>
+              <a:rPr lang="fr-FR" b="1" dirty="0" smtClean="0">
+                <a:solidFill>
+                  <a:srgbClr val="FF0000"/>
+                </a:solidFill>
+              </a:rPr>
+              <a:t>ALINE</a:t>
+            </a:r>
+          </a:p>
+          <a:p>
+            <a:r>
+              <a:rPr lang="fr-FR" dirty="0">
+                <a:solidFill>
+                  <a:schemeClr val="tx1">
+                    <a:lumMod val="85000"/>
+                    <a:lumOff val="15000"/>
+                  </a:schemeClr>
+                </a:solidFill>
+              </a:rPr>
+              <a:t>	</a:t>
+            </a:r>
+            <a:r>
+              <a:rPr lang="fr-FR" dirty="0" smtClean="0">
+                <a:solidFill>
+                  <a:schemeClr val="tx1">
+                    <a:lumMod val="85000"/>
+                    <a:lumOff val="15000"/>
+                  </a:schemeClr>
+                </a:solidFill>
+              </a:rPr>
+              <a:t>c) Affichage des musiques uploadées </a:t>
+            </a:r>
+            <a:r>
+              <a:rPr lang="fr-FR" b="1" dirty="0" smtClean="0">
+                <a:solidFill>
+                  <a:srgbClr val="FF0000"/>
+                </a:solidFill>
+              </a:rPr>
+              <a:t>BEBER</a:t>
+            </a:r>
+          </a:p>
+          <a:p>
+            <a:r>
+              <a:rPr lang="fr-FR" dirty="0">
+                <a:solidFill>
+                  <a:schemeClr val="tx1">
+                    <a:lumMod val="85000"/>
+                    <a:lumOff val="15000"/>
+                  </a:schemeClr>
+                </a:solidFill>
+              </a:rPr>
+              <a:t>	</a:t>
+            </a:r>
+            <a:r>
+              <a:rPr lang="fr-FR" dirty="0" smtClean="0">
+                <a:solidFill>
+                  <a:schemeClr val="tx1">
+                    <a:lumMod val="85000"/>
+                    <a:lumOff val="15000"/>
+                  </a:schemeClr>
+                </a:solidFill>
+              </a:rPr>
+              <a:t>d) Recherche de musiques </a:t>
+            </a:r>
+            <a:r>
+              <a:rPr lang="fr-FR" b="1" dirty="0" smtClean="0">
+                <a:solidFill>
+                  <a:srgbClr val="FF0000"/>
+                </a:solidFill>
+              </a:rPr>
+              <a:t>ALINE</a:t>
+            </a:r>
+          </a:p>
+          <a:p>
+            <a:r>
+              <a:rPr lang="fr-FR" dirty="0">
+                <a:solidFill>
+                  <a:schemeClr val="tx1">
+                    <a:lumMod val="85000"/>
+                    <a:lumOff val="15000"/>
+                  </a:schemeClr>
+                </a:solidFill>
+              </a:rPr>
+              <a:t>	</a:t>
+            </a:r>
+            <a:r>
+              <a:rPr lang="fr-FR" dirty="0" smtClean="0">
+                <a:solidFill>
+                  <a:schemeClr val="tx1">
+                    <a:lumMod val="85000"/>
+                    <a:lumOff val="15000"/>
+                  </a:schemeClr>
+                </a:solidFill>
+              </a:rPr>
+              <a:t>e) Playlists </a:t>
+            </a:r>
+            <a:r>
+              <a:rPr lang="fr-FR" b="1" dirty="0" smtClean="0">
+                <a:solidFill>
+                  <a:srgbClr val="FF0000"/>
+                </a:solidFill>
+              </a:rPr>
+              <a:t>THOMAS</a:t>
+            </a:r>
+          </a:p>
+          <a:p>
+            <a:r>
+              <a:rPr lang="fr-FR" dirty="0">
+                <a:solidFill>
+                  <a:schemeClr val="tx1">
+                    <a:lumMod val="85000"/>
+                    <a:lumOff val="15000"/>
+                  </a:schemeClr>
+                </a:solidFill>
+              </a:rPr>
+              <a:t>	</a:t>
+            </a:r>
+            <a:r>
+              <a:rPr lang="fr-FR" dirty="0" smtClean="0">
+                <a:solidFill>
+                  <a:schemeClr val="tx1">
+                    <a:lumMod val="85000"/>
+                    <a:lumOff val="15000"/>
+                  </a:schemeClr>
+                </a:solidFill>
+              </a:rPr>
+              <a:t>f) Affichage des données personnelles </a:t>
+            </a:r>
+            <a:r>
+              <a:rPr lang="fr-FR" b="1" dirty="0" smtClean="0">
+                <a:solidFill>
+                  <a:srgbClr val="FF0000"/>
+                </a:solidFill>
+              </a:rPr>
+              <a:t>CYRIL</a:t>
+            </a:r>
+          </a:p>
+          <a:p>
             <a:endParaRPr lang="fr-FR" b="1" dirty="0">
               <a:solidFill>
                 <a:schemeClr val="tx1">
@@ -5009,40 +5313,8 @@
                   </a:schemeClr>
                 </a:solidFill>
               </a:rPr>
-              <a:t>2- Phase de conception</a:t>
-            </a:r>
-          </a:p>
-          <a:p>
-            <a:endParaRPr lang="fr-FR" b="1" dirty="0" smtClean="0">
-              <a:solidFill>
-                <a:schemeClr val="tx1">
-                  <a:lumMod val="85000"/>
-                  <a:lumOff val="15000"/>
-                </a:schemeClr>
-              </a:solidFill>
-            </a:endParaRPr>
-          </a:p>
-          <a:p>
-            <a:endParaRPr lang="fr-FR" b="1" dirty="0" smtClean="0">
-              <a:solidFill>
-                <a:schemeClr val="tx1">
-                  <a:lumMod val="85000"/>
-                  <a:lumOff val="15000"/>
-                </a:schemeClr>
-              </a:solidFill>
-            </a:endParaRPr>
-          </a:p>
-          <a:p>
-            <a:endParaRPr lang="fr-FR" b="1" dirty="0">
-              <a:solidFill>
-                <a:schemeClr val="tx1">
-                  <a:lumMod val="85000"/>
-                  <a:lumOff val="15000"/>
-                </a:schemeClr>
-              </a:solidFill>
-            </a:endParaRPr>
-          </a:p>
-          <a:p>
+              <a:t>4- </a:t>
+            </a:r>
             <a:r>
               <a:rPr lang="fr-FR" b="1" dirty="0" smtClean="0">
                 <a:solidFill>
@@ -5052,40 +5324,8 @@
                   </a:schemeClr>
                 </a:solidFill>
               </a:rPr>
-              <a:t>3- Phase de développement</a:t>
-            </a:r>
-          </a:p>
-          <a:p>
-            <a:endParaRPr lang="fr-FR" b="1" dirty="0" smtClean="0">
-              <a:solidFill>
-                <a:schemeClr val="tx1">
-                  <a:lumMod val="85000"/>
-                  <a:lumOff val="15000"/>
-                </a:schemeClr>
-              </a:solidFill>
-            </a:endParaRPr>
-          </a:p>
-          <a:p>
-            <a:endParaRPr lang="fr-FR" b="1" dirty="0" smtClean="0">
-              <a:solidFill>
-                <a:schemeClr val="tx1">
-                  <a:lumMod val="85000"/>
-                  <a:lumOff val="15000"/>
-                </a:schemeClr>
-              </a:solidFill>
-            </a:endParaRPr>
-          </a:p>
-          <a:p>
-            <a:endParaRPr lang="fr-FR" b="1" dirty="0">
-              <a:solidFill>
-                <a:schemeClr val="tx1">
-                  <a:lumMod val="85000"/>
-                  <a:lumOff val="15000"/>
-                </a:schemeClr>
-              </a:solidFill>
-            </a:endParaRPr>
-          </a:p>
-          <a:p>
+              <a:t>Analyse du résultat </a:t>
+            </a:r>
             <a:r>
               <a:rPr lang="fr-FR" b="1" dirty="0" smtClean="0">
                 <a:solidFill>
@@ -5095,12 +5335,26 @@
                   </a:schemeClr>
                 </a:solidFill>
               </a:rPr>
-              <a:t>4- Résultat</a:t>
-            </a:r>
-          </a:p>
-          <a:p>
-            <a:r>
-              <a:rPr lang="fr-FR" b="1" dirty="0">
+              <a:t>= </a:t>
+            </a:r>
+            <a:r>
+              <a:rPr lang="fr-FR" b="1" dirty="0" smtClean="0">
+                <a:solidFill>
+                  <a:srgbClr val="FF0000"/>
+                </a:solidFill>
+              </a:rPr>
+              <a:t>3 dernières </a:t>
+            </a:r>
+            <a:r>
+              <a:rPr lang="fr-FR" b="1" dirty="0" smtClean="0">
+                <a:solidFill>
+                  <a:srgbClr val="FF0000"/>
+                </a:solidFill>
+              </a:rPr>
+              <a:t>parties du rapport</a:t>
+            </a:r>
+            <a:r>
+              <a:rPr lang="fr-FR" b="1" dirty="0" smtClean="0">
                 <a:solidFill>
                   <a:schemeClr val="tx1">
                     <a:lumMod val="85000"/>
@@ -5108,10 +5362,20 @@
                   </a:schemeClr>
                 </a:solidFill>
               </a:rPr>
-              <a:t>	</a:t>
-            </a:r>
-            <a:r>
-              <a:rPr lang="fr-FR" dirty="0" smtClean="0">
+              <a:t> </a:t>
+            </a:r>
+            <a:r>
+              <a:rPr lang="fr-FR" b="1" dirty="0" smtClean="0">
+                <a:solidFill>
+                  <a:srgbClr val="FF0000"/>
+                </a:solidFill>
+              </a:rPr>
+              <a:t>THOMAS</a:t>
+            </a:r>
+          </a:p>
+          <a:p>
+            <a:r>
+              <a:rPr lang="fr-FR" b="1" dirty="0">
                 <a:solidFill>
                   <a:schemeClr val="tx1">
                     <a:lumMod val="85000"/>
@@ -5119,7 +5383,18 @@
                   </a:schemeClr>
                 </a:solidFill>
               </a:rPr>
-              <a:t>a) La plateforme</a:t>
+              <a:t>	</a:t>
+            </a:r>
+            <a:r>
+              <a:rPr lang="fr-FR" dirty="0" smtClean="0">
+                <a:solidFill>
+                  <a:schemeClr val="tx1">
+                    <a:lumMod val="85000"/>
+                    <a:lumOff val="15000"/>
+                  </a:schemeClr>
+                </a:solidFill>
+              </a:rPr>
+              <a:t>a) La plateforme : avantages et inconvénients</a:t>
             </a:r>
           </a:p>
           <a:p>
@@ -9762,11 +10037,11 @@
   <p:clrMapOvr>
     <a:masterClrMapping/>
   </p:clrMapOvr>
-  <mc:AlternateContent xmlns:mc="http://schemas.openxmlformats.org/markup-compatibility/2006">
-    <mc:Choice xmlns:p14="http://schemas.microsoft.com/office/powerpoint/2010/main" Requires="p14">
+  <mc:AlternateContent xmlns:mc="http://schemas.openxmlformats.org/markup-compatibility/2006" xmlns:p14="http://schemas.microsoft.com/office/powerpoint/2010/main">
+    <mc:Choice Requires="p14">
       <p:transition spd="slow" p14:dur="2000"/>
     </mc:Choice>
-    <mc:Fallback>
+    <mc:Fallback xmlns="">
       <p:transition spd="slow"/>
     </mc:Fallback>
   </mc:AlternateContent>
